--- a/04 Fourth Semester/CSE 2207_Computer Networks/Midterm/[2.1] Lecture_2.1 IP-Address.pptx
+++ b/04 Fourth Semester/CSE 2207_Computer Networks/Midterm/[2.1] Lecture_2.1 IP-Address.pptx
@@ -175,13 +175,37 @@
 <file path=ppt/revisionInfo.xml><?xml version="1.0" encoding="utf-8"?>
 <p1510:revInfo xmlns:a="http://schemas.openxmlformats.org/drawingml/2006/main" xmlns:r="http://schemas.openxmlformats.org/officeDocument/2006/relationships" xmlns:p1510="http://schemas.microsoft.com/office/powerpoint/2015/10/main">
   <p1510:revLst>
-    <p1510:client id="{8239C61A-973E-47BA-B4A8-1ED843FCB9C0}" v="1" dt="2021-01-17T08:44:11.358"/>
+    <p1510:client id="{FF796972-79CF-5064-3356-F5031BA334CF}" v="3" dt="2025-08-21T07:39:49.481"/>
   </p1510:revLst>
 </p1510:revInfo>
 </file>
 
 <file path=ppt/changesInfos/changesInfo1.xml><?xml version="1.0" encoding="utf-8"?>
 <pc:chgInfo xmlns:a="http://schemas.openxmlformats.org/drawingml/2006/main" xmlns:r="http://schemas.openxmlformats.org/officeDocument/2006/relationships" xmlns:ac="http://schemas.microsoft.com/office/drawing/2013/main/command" xmlns:pc="http://schemas.microsoft.com/office/powerpoint/2013/main/command">
+  <pc:docChgLst>
+    <pc:chgData name="RAFIUL ISLAM RAFI" userId="S::241311142@vu.edu.bd::1531b9ca-00b1-4095-83f8-a6f2db2016a6" providerId="AD" clId="Web-{FF796972-79CF-5064-3356-F5031BA334CF}"/>
+    <pc:docChg chg="modSld">
+      <pc:chgData name="RAFIUL ISLAM RAFI" userId="S::241311142@vu.edu.bd::1531b9ca-00b1-4095-83f8-a6f2db2016a6" providerId="AD" clId="Web-{FF796972-79CF-5064-3356-F5031BA334CF}" dt="2025-08-21T07:39:49.481" v="2" actId="1076"/>
+      <pc:docMkLst>
+        <pc:docMk/>
+      </pc:docMkLst>
+      <pc:sldChg chg="modSp">
+        <pc:chgData name="RAFIUL ISLAM RAFI" userId="S::241311142@vu.edu.bd::1531b9ca-00b1-4095-83f8-a6f2db2016a6" providerId="AD" clId="Web-{FF796972-79CF-5064-3356-F5031BA334CF}" dt="2025-08-21T07:39:49.481" v="2" actId="1076"/>
+        <pc:sldMkLst>
+          <pc:docMk/>
+          <pc:sldMk cId="0" sldId="267"/>
+        </pc:sldMkLst>
+        <pc:picChg chg="mod">
+          <ac:chgData name="RAFIUL ISLAM RAFI" userId="S::241311142@vu.edu.bd::1531b9ca-00b1-4095-83f8-a6f2db2016a6" providerId="AD" clId="Web-{FF796972-79CF-5064-3356-F5031BA334CF}" dt="2025-08-21T07:39:49.481" v="2" actId="1076"/>
+          <ac:picMkLst>
+            <pc:docMk/>
+            <pc:sldMk cId="0" sldId="267"/>
+            <ac:picMk id="8197" creationId="{235FF04D-761F-461B-9042-F11532165C19}"/>
+          </ac:picMkLst>
+        </pc:picChg>
+      </pc:sldChg>
+    </pc:docChg>
+  </pc:docChgLst>
   <pc:docChgLst>
     <pc:chgData name="Md. Nahid Hasan" userId="S::nahid@vu.edu.bd::85ea5f9e-65d6-4031-b810-9415101f2e21" providerId="AD" clId="Web-{8239C61A-973E-47BA-B4A8-1ED843FCB9C0}"/>
     <pc:docChg chg="modSld">
@@ -195,14 +219,6 @@
           <pc:docMk/>
           <pc:sldMk cId="0" sldId="267"/>
         </pc:sldMkLst>
-        <pc:picChg chg="mod">
-          <ac:chgData name="Md. Nahid Hasan" userId="S::nahid@vu.edu.bd::85ea5f9e-65d6-4031-b810-9415101f2e21" providerId="AD" clId="Web-{8239C61A-973E-47BA-B4A8-1ED843FCB9C0}" dt="2021-01-17T08:44:11.358" v="0" actId="1076"/>
-          <ac:picMkLst>
-            <pc:docMk/>
-            <pc:sldMk cId="0" sldId="267"/>
-            <ac:picMk id="8197" creationId="{235FF04D-761F-461B-9042-F11532165C19}"/>
-          </ac:picMkLst>
-        </pc:picChg>
       </pc:sldChg>
     </pc:docChg>
   </pc:docChgLst>
@@ -9678,7 +9694,7 @@
         </p:blipFill>
         <p:spPr>
           <a:xfrm>
-            <a:off x="1439305" y="4137797"/>
+            <a:off x="1577850" y="4054670"/>
             <a:ext cx="5689600" cy="1103313"/>
           </a:xfrm>
           <a:noFill/>
@@ -22622,15 +22638,6 @@
 </file>
 
 <file path=customXml/item1.xml><?xml version="1.0" encoding="utf-8"?>
-<?mso-contentType ?>
-<FormTemplates xmlns="http://schemas.microsoft.com/sharepoint/v3/contenttype/forms">
-  <Display>DocumentLibraryForm</Display>
-  <Edit>DocumentLibraryForm</Edit>
-  <New>DocumentLibraryForm</New>
-</FormTemplates>
-</file>
-
-<file path=customXml/item2.xml><?xml version="1.0" encoding="utf-8"?>
 <ct:contentTypeSchema xmlns:ct="http://schemas.microsoft.com/office/2006/metadata/contentType" xmlns:ma="http://schemas.microsoft.com/office/2006/metadata/properties/metaAttributes" ct:_="" ma:_="" ma:contentTypeName="Document" ma:contentTypeID="0x0101007852966F0DCB174EB292923C0D4D8D7D" ma:contentTypeVersion="3" ma:contentTypeDescription="Create a new document." ma:contentTypeScope="" ma:versionID="eeed69bd77efcfeab31f51872eacebfe">
   <xsd:schema xmlns:xsd="http://www.w3.org/2001/XMLSchema" xmlns:xs="http://www.w3.org/2001/XMLSchema" xmlns:p="http://schemas.microsoft.com/office/2006/metadata/properties" xmlns:ns2="5e5b48b9-56ea-4e7f-bbcc-91ef0f5a1608" targetNamespace="http://schemas.microsoft.com/office/2006/metadata/properties" ma:root="true" ma:fieldsID="9aef76fabd1f5519d3188a87df0e9546" ns2:_="">
     <xsd:import namespace="5e5b48b9-56ea-4e7f-bbcc-91ef0f5a1608"/>
@@ -22768,29 +22775,52 @@
 </ct:contentTypeSchema>
 </file>
 
-<file path=customXml/item3.xml><?xml version="1.0" encoding="utf-8"?>
+<file path=customXml/item2.xml><?xml version="1.0" encoding="utf-8"?>
 <p:properties xmlns:p="http://schemas.microsoft.com/office/2006/metadata/properties" xmlns:xsi="http://www.w3.org/2001/XMLSchema-instance" xmlns:pc="http://schemas.microsoft.com/office/infopath/2007/PartnerControls">
   <documentManagement/>
 </p:properties>
 </file>
 
+<file path=customXml/item3.xml><?xml version="1.0" encoding="utf-8"?>
+<?mso-contentType ?>
+<FormTemplates xmlns="http://schemas.microsoft.com/sharepoint/v3/contenttype/forms">
+  <Display>DocumentLibraryForm</Display>
+  <Edit>DocumentLibraryForm</Edit>
+  <New>DocumentLibraryForm</New>
+</FormTemplates>
+</file>
+
 <file path=customXml/itemProps1.xml><?xml version="1.0" encoding="utf-8"?>
-<ds:datastoreItem xmlns:ds="http://schemas.openxmlformats.org/officeDocument/2006/customXml" ds:itemID="{0DF5F6F8-A08C-4C23-9040-0C629C35FB25}">
+<ds:datastoreItem xmlns:ds="http://schemas.openxmlformats.org/officeDocument/2006/customXml" ds:itemID="{3BF6A1AB-55B0-4319-BE28-FECD16DF98E8}">
   <ds:schemaRefs>
-    <ds:schemaRef ds:uri="http://schemas.microsoft.com/sharepoint/v3/contenttype/forms"/>
+    <ds:schemaRef ds:uri="http://schemas.microsoft.com/office/2006/metadata/contentType"/>
+    <ds:schemaRef ds:uri="http://schemas.microsoft.com/office/2006/metadata/properties/metaAttributes"/>
+    <ds:schemaRef ds:uri="http://www.w3.org/2001/XMLSchema"/>
+    <ds:schemaRef ds:uri="http://schemas.microsoft.com/office/2006/metadata/properties"/>
+    <ds:schemaRef ds:uri="5e5b48b9-56ea-4e7f-bbcc-91ef0f5a1608"/>
+    <ds:schemaRef ds:uri="http://schemas.microsoft.com/office/2006/documentManagement/types"/>
+    <ds:schemaRef ds:uri="http://schemas.microsoft.com/office/infopath/2007/PartnerControls"/>
+    <ds:schemaRef ds:uri="http://schemas.openxmlformats.org/package/2006/metadata/core-properties"/>
+    <ds:schemaRef ds:uri="http://purl.org/dc/elements/1.1/"/>
+    <ds:schemaRef ds:uri="http://purl.org/dc/terms/"/>
+    <ds:schemaRef ds:uri="http://schemas.microsoft.com/internal/obd"/>
   </ds:schemaRefs>
 </ds:datastoreItem>
 </file>
 
 <file path=customXml/itemProps2.xml><?xml version="1.0" encoding="utf-8"?>
-<ds:datastoreItem xmlns:ds="http://schemas.openxmlformats.org/officeDocument/2006/customXml" ds:itemID="{3BF6A1AB-55B0-4319-BE28-FECD16DF98E8}"/>
-</file>
-
-<file path=customXml/itemProps3.xml><?xml version="1.0" encoding="utf-8"?>
 <ds:datastoreItem xmlns:ds="http://schemas.openxmlformats.org/officeDocument/2006/customXml" ds:itemID="{F8B51C07-11F1-4C9F-8AA9-27C0BD741C56}">
   <ds:schemaRefs>
     <ds:schemaRef ds:uri="http://schemas.microsoft.com/office/2006/metadata/properties"/>
     <ds:schemaRef ds:uri="http://schemas.microsoft.com/office/infopath/2007/PartnerControls"/>
   </ds:schemaRefs>
 </ds:datastoreItem>
+</file>
+
+<file path=customXml/itemProps3.xml><?xml version="1.0" encoding="utf-8"?>
+<ds:datastoreItem xmlns:ds="http://schemas.openxmlformats.org/officeDocument/2006/customXml" ds:itemID="{0DF5F6F8-A08C-4C23-9040-0C629C35FB25}">
+  <ds:schemaRefs>
+    <ds:schemaRef ds:uri="http://schemas.microsoft.com/sharepoint/v3/contenttype/forms"/>
+  </ds:schemaRefs>
+</ds:datastoreItem>
 </file>